--- a/Memwor.pptx
+++ b/Memwor.pptx
@@ -15,6 +15,7 @@
     <p:sldId id="263" r:id="rId9"/>
     <p:sldId id="264" r:id="rId10"/>
     <p:sldId id="265" r:id="rId11"/>
+    <p:sldId id="266" r:id="rId12"/>
   </p:sldIdLst>
   <p:sldSz cx="12192000" cy="6858000"/>
   <p:notesSz cx="6858000" cy="9144000"/>
@@ -138,7 +139,7 @@
           <p:cNvPr id="2" name="Заголовок 1">
             <a:extLst>
               <a:ext uri="{FF2B5EF4-FFF2-40B4-BE49-F238E27FC236}">
-                <a16:creationId xmlns:a16="http://schemas.microsoft.com/office/drawing/2014/main" id="{08A78DDC-6D10-D0A0-E5BA-6C22F856FEA3}"/>
+                <a16:creationId xmlns:a16="http://schemas.microsoft.com/office/drawing/2014/main" id="{A65100DC-73E5-0BDB-1D25-866534E75FA0}"/>
               </a:ext>
             </a:extLst>
           </p:cNvPr>
@@ -166,7 +167,7 @@
           <p:cNvPr id="3" name="Дата 2">
             <a:extLst>
               <a:ext uri="{FF2B5EF4-FFF2-40B4-BE49-F238E27FC236}">
-                <a16:creationId xmlns:a16="http://schemas.microsoft.com/office/drawing/2014/main" id="{6225A5F3-5C5F-21A9-7A82-E14091DD1852}"/>
+                <a16:creationId xmlns:a16="http://schemas.microsoft.com/office/drawing/2014/main" id="{FB8BDDC2-3DB4-2576-971E-B0964EE6C7DC}"/>
               </a:ext>
             </a:extLst>
           </p:cNvPr>
@@ -182,9 +183,9 @@
           <a:bodyPr/>
           <a:lstStyle/>
           <a:p>
-            <a:fld id="{3BA21C50-9B98-4F00-861A-93FE4852A1A5}" type="datetimeFigureOut">
+            <a:fld id="{E3D83847-9718-4291-8908-227C02FED02F}" type="datetimeFigureOut">
               <a:rPr lang="ru-RU" smtClean="0"/>
-              <a:t>15.05.2023</a:t>
+              <a:t>16.05.2023</a:t>
             </a:fld>
             <a:endParaRPr lang="ru-RU"/>
           </a:p>
@@ -195,7 +196,7 @@
           <p:cNvPr id="4" name="Нижний колонтитул 3">
             <a:extLst>
               <a:ext uri="{FF2B5EF4-FFF2-40B4-BE49-F238E27FC236}">
-                <a16:creationId xmlns:a16="http://schemas.microsoft.com/office/drawing/2014/main" id="{C0A660A6-8640-8661-65B1-738AE71FE383}"/>
+                <a16:creationId xmlns:a16="http://schemas.microsoft.com/office/drawing/2014/main" id="{AA5FB514-EF6E-B4D2-01A6-45C7682E0564}"/>
               </a:ext>
             </a:extLst>
           </p:cNvPr>
@@ -220,7 +221,7 @@
           <p:cNvPr id="5" name="Номер слайда 4">
             <a:extLst>
               <a:ext uri="{FF2B5EF4-FFF2-40B4-BE49-F238E27FC236}">
-                <a16:creationId xmlns:a16="http://schemas.microsoft.com/office/drawing/2014/main" id="{B9E4212F-F9C2-66B6-6ED1-E7F1AF38C929}"/>
+                <a16:creationId xmlns:a16="http://schemas.microsoft.com/office/drawing/2014/main" id="{028602E1-A594-5CF6-2A7B-4A54537980E2}"/>
               </a:ext>
             </a:extLst>
           </p:cNvPr>
@@ -236,7 +237,7 @@
           <a:bodyPr/>
           <a:lstStyle/>
           <a:p>
-            <a:fld id="{897075AB-5B67-47AD-86B7-42154F6AB61B}" type="slidenum">
+            <a:fld id="{73ED2BCA-E4AA-4069-99B5-A50095726470}" type="slidenum">
               <a:rPr lang="ru-RU" smtClean="0"/>
               <a:t>‹#›</a:t>
             </a:fld>
@@ -247,7 +248,7 @@
     </p:spTree>
     <p:extLst>
       <p:ext uri="{BB962C8B-B14F-4D97-AF65-F5344CB8AC3E}">
-        <p14:creationId xmlns:p14="http://schemas.microsoft.com/office/powerpoint/2010/main" val="3356765082"/>
+        <p14:creationId xmlns:p14="http://schemas.microsoft.com/office/powerpoint/2010/main" val="3336812815"/>
       </p:ext>
     </p:extLst>
   </p:cSld>
@@ -284,7 +285,7 @@
           <p:cNvPr id="2" name="Заголовок 1">
             <a:extLst>
               <a:ext uri="{FF2B5EF4-FFF2-40B4-BE49-F238E27FC236}">
-                <a16:creationId xmlns:a16="http://schemas.microsoft.com/office/drawing/2014/main" id="{9B644CCF-473B-5228-3C12-FC235534E682}"/>
+                <a16:creationId xmlns:a16="http://schemas.microsoft.com/office/drawing/2014/main" id="{5380B5D7-DD3A-1226-FFAE-0420D59C83D0}"/>
               </a:ext>
             </a:extLst>
           </p:cNvPr>
@@ -322,7 +323,7 @@
           <p:cNvPr id="3" name="Текст 2">
             <a:extLst>
               <a:ext uri="{FF2B5EF4-FFF2-40B4-BE49-F238E27FC236}">
-                <a16:creationId xmlns:a16="http://schemas.microsoft.com/office/drawing/2014/main" id="{4050D24F-DDF8-44CA-8A4D-806F087146B5}"/>
+                <a16:creationId xmlns:a16="http://schemas.microsoft.com/office/drawing/2014/main" id="{1F5C72B5-5EAB-3267-663D-FA8DAEA72854}"/>
               </a:ext>
             </a:extLst>
           </p:cNvPr>
@@ -389,7 +390,7 @@
           <p:cNvPr id="4" name="Дата 3">
             <a:extLst>
               <a:ext uri="{FF2B5EF4-FFF2-40B4-BE49-F238E27FC236}">
-                <a16:creationId xmlns:a16="http://schemas.microsoft.com/office/drawing/2014/main" id="{F4FCCC6F-F6A4-39AC-D775-C5760E7A45EF}"/>
+                <a16:creationId xmlns:a16="http://schemas.microsoft.com/office/drawing/2014/main" id="{AC0FD331-039D-99B3-8BE9-A8E5940C1E71}"/>
               </a:ext>
             </a:extLst>
           </p:cNvPr>
@@ -423,9 +424,9 @@
             </a:lvl1pPr>
           </a:lstStyle>
           <a:p>
-            <a:fld id="{3BA21C50-9B98-4F00-861A-93FE4852A1A5}" type="datetimeFigureOut">
+            <a:fld id="{E3D83847-9718-4291-8908-227C02FED02F}" type="datetimeFigureOut">
               <a:rPr lang="ru-RU" smtClean="0"/>
-              <a:t>15.05.2023</a:t>
+              <a:t>16.05.2023</a:t>
             </a:fld>
             <a:endParaRPr lang="ru-RU"/>
           </a:p>
@@ -436,7 +437,7 @@
           <p:cNvPr id="5" name="Нижний колонтитул 4">
             <a:extLst>
               <a:ext uri="{FF2B5EF4-FFF2-40B4-BE49-F238E27FC236}">
-                <a16:creationId xmlns:a16="http://schemas.microsoft.com/office/drawing/2014/main" id="{81C90AA3-6AD1-05D0-CE00-09F612742727}"/>
+                <a16:creationId xmlns:a16="http://schemas.microsoft.com/office/drawing/2014/main" id="{31453156-8FB1-9807-3543-658A6C5F35D7}"/>
               </a:ext>
             </a:extLst>
           </p:cNvPr>
@@ -479,7 +480,7 @@
           <p:cNvPr id="6" name="Номер слайда 5">
             <a:extLst>
               <a:ext uri="{FF2B5EF4-FFF2-40B4-BE49-F238E27FC236}">
-                <a16:creationId xmlns:a16="http://schemas.microsoft.com/office/drawing/2014/main" id="{8F1BAF70-FF5E-E3EF-F1DA-5985B314AAB5}"/>
+                <a16:creationId xmlns:a16="http://schemas.microsoft.com/office/drawing/2014/main" id="{D7C915B7-AD34-3E20-89A6-B52E3BB1D347}"/>
               </a:ext>
             </a:extLst>
           </p:cNvPr>
@@ -513,7 +514,7 @@
             </a:lvl1pPr>
           </a:lstStyle>
           <a:p>
-            <a:fld id="{897075AB-5B67-47AD-86B7-42154F6AB61B}" type="slidenum">
+            <a:fld id="{73ED2BCA-E4AA-4069-99B5-A50095726470}" type="slidenum">
               <a:rPr lang="ru-RU" smtClean="0"/>
               <a:t>‹#›</a:t>
             </a:fld>
@@ -524,7 +525,7 @@
     </p:spTree>
     <p:extLst>
       <p:ext uri="{BB962C8B-B14F-4D97-AF65-F5344CB8AC3E}">
-        <p14:creationId xmlns:p14="http://schemas.microsoft.com/office/powerpoint/2010/main" val="331943855"/>
+        <p14:creationId xmlns:p14="http://schemas.microsoft.com/office/powerpoint/2010/main" val="79886025"/>
       </p:ext>
     </p:extLst>
   </p:cSld>
@@ -843,7 +844,7 @@
           <p:cNvPr id="2" name="Заголовок 1" hidden="1">
             <a:extLst>
               <a:ext uri="{FF2B5EF4-FFF2-40B4-BE49-F238E27FC236}">
-                <a16:creationId xmlns:a16="http://schemas.microsoft.com/office/drawing/2014/main" id="{79B37267-7186-0FA4-4D8B-C9055A056FE2}"/>
+                <a16:creationId xmlns:a16="http://schemas.microsoft.com/office/drawing/2014/main" id="{9743DD88-EED5-6BA8-E246-AF57CB73E11C}"/>
               </a:ext>
             </a:extLst>
           </p:cNvPr>
@@ -872,7 +873,7 @@
           <p:cNvPr id="3" name="Рисунок 2">
             <a:extLst>
               <a:ext uri="{FF2B5EF4-FFF2-40B4-BE49-F238E27FC236}">
-                <a16:creationId xmlns:a16="http://schemas.microsoft.com/office/drawing/2014/main" id="{45FA30CF-F582-5B82-A1EE-9DF1EABF4A6D}"/>
+                <a16:creationId xmlns:a16="http://schemas.microsoft.com/office/drawing/2014/main" id="{24CB9EB1-DD9F-74AD-F690-F49F74CA8E04}"/>
               </a:ext>
             </a:extLst>
           </p:cNvPr>
@@ -898,7 +899,7 @@
     </p:spTree>
     <p:extLst>
       <p:ext uri="{BB962C8B-B14F-4D97-AF65-F5344CB8AC3E}">
-        <p14:creationId xmlns:p14="http://schemas.microsoft.com/office/powerpoint/2010/main" val="1187103701"/>
+        <p14:creationId xmlns:p14="http://schemas.microsoft.com/office/powerpoint/2010/main" val="3543664416"/>
       </p:ext>
     </p:extLst>
   </p:cSld>
@@ -948,7 +949,7 @@
           <p:cNvPr id="2" name="Заголовок 1" hidden="1">
             <a:extLst>
               <a:ext uri="{FF2B5EF4-FFF2-40B4-BE49-F238E27FC236}">
-                <a16:creationId xmlns:a16="http://schemas.microsoft.com/office/drawing/2014/main" id="{CA0700D3-2ACF-086A-FDA1-EA0C9094FA5F}"/>
+                <a16:creationId xmlns:a16="http://schemas.microsoft.com/office/drawing/2014/main" id="{9BA104AE-7C02-0EA8-0669-B6782B380644}"/>
               </a:ext>
             </a:extLst>
           </p:cNvPr>
@@ -976,7 +977,7 @@
           <p:cNvPr id="3" name="Рисунок 2">
             <a:extLst>
               <a:ext uri="{FF2B5EF4-FFF2-40B4-BE49-F238E27FC236}">
-                <a16:creationId xmlns:a16="http://schemas.microsoft.com/office/drawing/2014/main" id="{C062D9D2-8DF8-2C4C-E3DF-1C9142CEF55B}"/>
+                <a16:creationId xmlns:a16="http://schemas.microsoft.com/office/drawing/2014/main" id="{0475B59E-C9C3-ED57-CAC9-7766913E6AA4}"/>
               </a:ext>
             </a:extLst>
           </p:cNvPr>
@@ -1002,7 +1003,7 @@
     </p:spTree>
     <p:extLst>
       <p:ext uri="{BB962C8B-B14F-4D97-AF65-F5344CB8AC3E}">
-        <p14:creationId xmlns:p14="http://schemas.microsoft.com/office/powerpoint/2010/main" val="4265698314"/>
+        <p14:creationId xmlns:p14="http://schemas.microsoft.com/office/powerpoint/2010/main" val="3853765659"/>
       </p:ext>
     </p:extLst>
   </p:cSld>
@@ -1013,6 +1014,107 @@
     <mc:Choice Requires="p14">
       <p:transition spd="slow">
         <p14:flash/>
+      </p:transition>
+    </mc:Choice>
+    <mc:Fallback xmlns="">
+      <p:transition spd="slow">
+        <p:fade/>
+      </p:transition>
+    </mc:Fallback>
+  </mc:AlternateContent>
+</p:sld>
+</file>
+
+<file path=ppt/slides/slide11.xml><?xml version="1.0" encoding="utf-8"?>
+<p:sld xmlns:a="http://schemas.openxmlformats.org/drawingml/2006/main" xmlns:r="http://schemas.openxmlformats.org/officeDocument/2006/relationships" xmlns:p="http://schemas.openxmlformats.org/presentationml/2006/main">
+  <p:cSld>
+    <p:bg>
+      <p:bgPr>
+        <a:noFill/>
+        <a:effectLst/>
+      </p:bgPr>
+    </p:bg>
+    <p:spTree>
+      <p:nvGrpSpPr>
+        <p:cNvPr id="1" name=""/>
+        <p:cNvGrpSpPr/>
+        <p:nvPr/>
+      </p:nvGrpSpPr>
+      <p:grpSpPr>
+        <a:xfrm>
+          <a:off x="0" y="0"/>
+          <a:ext cx="0" cy="0"/>
+          <a:chOff x="0" y="0"/>
+          <a:chExt cx="0" cy="0"/>
+        </a:xfrm>
+      </p:grpSpPr>
+      <p:sp>
+        <p:nvSpPr>
+          <p:cNvPr id="2" name="Заголовок 1" hidden="1">
+            <a:extLst>
+              <a:ext uri="{FF2B5EF4-FFF2-40B4-BE49-F238E27FC236}">
+                <a16:creationId xmlns:a16="http://schemas.microsoft.com/office/drawing/2014/main" id="{C3B3DCAC-5BAB-F428-964B-862EDAF4B117}"/>
+              </a:ext>
+            </a:extLst>
+          </p:cNvPr>
+          <p:cNvSpPr>
+            <a:spLocks noGrp="1"/>
+          </p:cNvSpPr>
+          <p:nvPr>
+            <p:ph type="title"/>
+          </p:nvPr>
+        </p:nvSpPr>
+        <p:spPr/>
+        <p:txBody>
+          <a:bodyPr/>
+          <a:lstStyle/>
+          <a:p>
+            <a:endParaRPr lang="ru-RU"/>
+          </a:p>
+        </p:txBody>
+      </p:sp>
+      <p:pic>
+        <p:nvPicPr>
+          <p:cNvPr id="3" name="Рисунок 2">
+            <a:extLst>
+              <a:ext uri="{FF2B5EF4-FFF2-40B4-BE49-F238E27FC236}">
+                <a16:creationId xmlns:a16="http://schemas.microsoft.com/office/drawing/2014/main" id="{8E85E26F-31F9-05CB-B100-AB8ABFCC78BB}"/>
+              </a:ext>
+            </a:extLst>
+          </p:cNvPr>
+          <p:cNvPicPr/>
+          <p:nvPr/>
+        </p:nvPicPr>
+        <p:blipFill>
+          <a:blip r:embed="rId2"/>
+          <a:stretch>
+            <a:fillRect/>
+          </a:stretch>
+        </p:blipFill>
+        <p:spPr>
+          <a:xfrm>
+            <a:off x="0" y="0"/>
+            <a:ext cx="12192000" cy="6858000"/>
+          </a:xfrm>
+          <a:prstGeom prst="rect">
+            <a:avLst/>
+          </a:prstGeom>
+        </p:spPr>
+      </p:pic>
+    </p:spTree>
+    <p:extLst>
+      <p:ext uri="{BB962C8B-B14F-4D97-AF65-F5344CB8AC3E}">
+        <p14:creationId xmlns:p14="http://schemas.microsoft.com/office/powerpoint/2010/main" val="1974236399"/>
+      </p:ext>
+    </p:extLst>
+  </p:cSld>
+  <p:clrMapOvr>
+    <a:masterClrMapping/>
+  </p:clrMapOvr>
+  <mc:AlternateContent xmlns:mc="http://schemas.openxmlformats.org/markup-compatibility/2006" xmlns:p159="http://schemas.microsoft.com/office/powerpoint/2015/09/main">
+    <mc:Choice Requires="p159">
+      <p:transition xmlns:p14="http://schemas.microsoft.com/office/powerpoint/2010/main" spd="slow" p14:dur="2000">
+        <p159:morph option="byObject"/>
       </p:transition>
     </mc:Choice>
     <mc:Fallback xmlns="">
@@ -1052,7 +1154,7 @@
           <p:cNvPr id="2" name="Заголовок 1" hidden="1">
             <a:extLst>
               <a:ext uri="{FF2B5EF4-FFF2-40B4-BE49-F238E27FC236}">
-                <a16:creationId xmlns:a16="http://schemas.microsoft.com/office/drawing/2014/main" id="{C6AEB64B-0E56-460B-B495-DF8241402B6A}"/>
+                <a16:creationId xmlns:a16="http://schemas.microsoft.com/office/drawing/2014/main" id="{3E58D0DE-DF8A-2C64-AFFA-C750AF20EDAB}"/>
               </a:ext>
             </a:extLst>
           </p:cNvPr>
@@ -1086,7 +1188,7 @@
           <p:cNvPr id="3" name="Рисунок 2">
             <a:extLst>
               <a:ext uri="{FF2B5EF4-FFF2-40B4-BE49-F238E27FC236}">
-                <a16:creationId xmlns:a16="http://schemas.microsoft.com/office/drawing/2014/main" id="{7FDB201B-12D8-89F8-A592-E41393233A5B}"/>
+                <a16:creationId xmlns:a16="http://schemas.microsoft.com/office/drawing/2014/main" id="{631368B8-E77C-4159-6585-9DE1DE60D174}"/>
               </a:ext>
             </a:extLst>
           </p:cNvPr>
@@ -1112,7 +1214,7 @@
     </p:spTree>
     <p:extLst>
       <p:ext uri="{BB962C8B-B14F-4D97-AF65-F5344CB8AC3E}">
-        <p14:creationId xmlns:p14="http://schemas.microsoft.com/office/powerpoint/2010/main" val="595919238"/>
+        <p14:creationId xmlns:p14="http://schemas.microsoft.com/office/powerpoint/2010/main" val="80331683"/>
       </p:ext>
     </p:extLst>
   </p:cSld>
@@ -1162,7 +1264,7 @@
           <p:cNvPr id="2" name="Заголовок 1" hidden="1">
             <a:extLst>
               <a:ext uri="{FF2B5EF4-FFF2-40B4-BE49-F238E27FC236}">
-                <a16:creationId xmlns:a16="http://schemas.microsoft.com/office/drawing/2014/main" id="{1F67EE7D-2FBC-3D51-5ABC-079783966E2C}"/>
+                <a16:creationId xmlns:a16="http://schemas.microsoft.com/office/drawing/2014/main" id="{EC5A6630-9BE0-428F-8DE2-6C3E2930313A}"/>
               </a:ext>
             </a:extLst>
           </p:cNvPr>
@@ -1191,7 +1293,7 @@
           <p:cNvPr id="3" name="Рисунок 2">
             <a:extLst>
               <a:ext uri="{FF2B5EF4-FFF2-40B4-BE49-F238E27FC236}">
-                <a16:creationId xmlns:a16="http://schemas.microsoft.com/office/drawing/2014/main" id="{4196541D-082B-801A-1EC5-4090FCF803F8}"/>
+                <a16:creationId xmlns:a16="http://schemas.microsoft.com/office/drawing/2014/main" id="{97E154AE-BF94-C16D-D9CC-F81BDAA2C70C}"/>
               </a:ext>
             </a:extLst>
           </p:cNvPr>
@@ -1217,7 +1319,7 @@
     </p:spTree>
     <p:extLst>
       <p:ext uri="{BB962C8B-B14F-4D97-AF65-F5344CB8AC3E}">
-        <p14:creationId xmlns:p14="http://schemas.microsoft.com/office/powerpoint/2010/main" val="289995431"/>
+        <p14:creationId xmlns:p14="http://schemas.microsoft.com/office/powerpoint/2010/main" val="2199106631"/>
       </p:ext>
     </p:extLst>
   </p:cSld>
@@ -1267,7 +1369,7 @@
           <p:cNvPr id="2" name="Заголовок 1" hidden="1">
             <a:extLst>
               <a:ext uri="{FF2B5EF4-FFF2-40B4-BE49-F238E27FC236}">
-                <a16:creationId xmlns:a16="http://schemas.microsoft.com/office/drawing/2014/main" id="{40BB59B2-34EE-32FD-FF6A-B4D4263512A6}"/>
+                <a16:creationId xmlns:a16="http://schemas.microsoft.com/office/drawing/2014/main" id="{CFC559C8-EE93-2EC9-8AB7-C9C2D1D62C70}"/>
               </a:ext>
             </a:extLst>
           </p:cNvPr>
@@ -1313,7 +1415,7 @@
           <p:cNvPr id="3" name="Рисунок 2">
             <a:extLst>
               <a:ext uri="{FF2B5EF4-FFF2-40B4-BE49-F238E27FC236}">
-                <a16:creationId xmlns:a16="http://schemas.microsoft.com/office/drawing/2014/main" id="{89212C6C-47C6-AE42-5CDA-4AAB53F6CB81}"/>
+                <a16:creationId xmlns:a16="http://schemas.microsoft.com/office/drawing/2014/main" id="{47639418-FB2F-14DC-4EB3-46AD4C70B7D2}"/>
               </a:ext>
             </a:extLst>
           </p:cNvPr>
@@ -1339,7 +1441,7 @@
     </p:spTree>
     <p:extLst>
       <p:ext uri="{BB962C8B-B14F-4D97-AF65-F5344CB8AC3E}">
-        <p14:creationId xmlns:p14="http://schemas.microsoft.com/office/powerpoint/2010/main" val="217853764"/>
+        <p14:creationId xmlns:p14="http://schemas.microsoft.com/office/powerpoint/2010/main" val="559660541"/>
       </p:ext>
     </p:extLst>
   </p:cSld>
@@ -1389,7 +1491,7 @@
           <p:cNvPr id="2" name="Заголовок 1" hidden="1">
             <a:extLst>
               <a:ext uri="{FF2B5EF4-FFF2-40B4-BE49-F238E27FC236}">
-                <a16:creationId xmlns:a16="http://schemas.microsoft.com/office/drawing/2014/main" id="{9DE509BB-8BBF-32CF-BBDD-0970E521D049}"/>
+                <a16:creationId xmlns:a16="http://schemas.microsoft.com/office/drawing/2014/main" id="{5299D3F3-7923-288F-D463-52390FDB0B83}"/>
               </a:ext>
             </a:extLst>
           </p:cNvPr>
@@ -1418,7 +1520,7 @@
           <p:cNvPr id="3" name="Рисунок 2">
             <a:extLst>
               <a:ext uri="{FF2B5EF4-FFF2-40B4-BE49-F238E27FC236}">
-                <a16:creationId xmlns:a16="http://schemas.microsoft.com/office/drawing/2014/main" id="{2691FF52-9616-7536-739E-E3E8779A29A6}"/>
+                <a16:creationId xmlns:a16="http://schemas.microsoft.com/office/drawing/2014/main" id="{78EB7DCF-ECAF-032E-C5C8-45F19180D8AD}"/>
               </a:ext>
             </a:extLst>
           </p:cNvPr>
@@ -1444,7 +1546,7 @@
     </p:spTree>
     <p:extLst>
       <p:ext uri="{BB962C8B-B14F-4D97-AF65-F5344CB8AC3E}">
-        <p14:creationId xmlns:p14="http://schemas.microsoft.com/office/powerpoint/2010/main" val="3962594604"/>
+        <p14:creationId xmlns:p14="http://schemas.microsoft.com/office/powerpoint/2010/main" val="900210226"/>
       </p:ext>
     </p:extLst>
   </p:cSld>
@@ -1494,7 +1596,7 @@
           <p:cNvPr id="2" name="Заголовок 1" hidden="1">
             <a:extLst>
               <a:ext uri="{FF2B5EF4-FFF2-40B4-BE49-F238E27FC236}">
-                <a16:creationId xmlns:a16="http://schemas.microsoft.com/office/drawing/2014/main" id="{03115403-FB46-BDF0-A646-9EFE98C6089A}"/>
+                <a16:creationId xmlns:a16="http://schemas.microsoft.com/office/drawing/2014/main" id="{808B42B3-AA19-28BB-DB30-B6355543005D}"/>
               </a:ext>
             </a:extLst>
           </p:cNvPr>
@@ -1519,7 +1621,7 @@
           <p:cNvPr id="3" name="Рисунок 2">
             <a:extLst>
               <a:ext uri="{FF2B5EF4-FFF2-40B4-BE49-F238E27FC236}">
-                <a16:creationId xmlns:a16="http://schemas.microsoft.com/office/drawing/2014/main" id="{E2CFCCF2-E5C1-5A43-E08D-B316F4536E4D}"/>
+                <a16:creationId xmlns:a16="http://schemas.microsoft.com/office/drawing/2014/main" id="{A758DDCE-1B88-2A1B-D6DB-9AD50FA989F5}"/>
               </a:ext>
             </a:extLst>
           </p:cNvPr>
@@ -1545,7 +1647,7 @@
     </p:spTree>
     <p:extLst>
       <p:ext uri="{BB962C8B-B14F-4D97-AF65-F5344CB8AC3E}">
-        <p14:creationId xmlns:p14="http://schemas.microsoft.com/office/powerpoint/2010/main" val="2395813430"/>
+        <p14:creationId xmlns:p14="http://schemas.microsoft.com/office/powerpoint/2010/main" val="4107132390"/>
       </p:ext>
     </p:extLst>
   </p:cSld>
@@ -1595,7 +1697,7 @@
           <p:cNvPr id="2" name="Заголовок 1" hidden="1">
             <a:extLst>
               <a:ext uri="{FF2B5EF4-FFF2-40B4-BE49-F238E27FC236}">
-                <a16:creationId xmlns:a16="http://schemas.microsoft.com/office/drawing/2014/main" id="{17A0BBB4-ECAA-A033-324A-B3F3A7096AF4}"/>
+                <a16:creationId xmlns:a16="http://schemas.microsoft.com/office/drawing/2014/main" id="{F59DF4DB-1410-E173-A492-63E89FB71D65}"/>
               </a:ext>
             </a:extLst>
           </p:cNvPr>
@@ -1624,7 +1726,7 @@
           <p:cNvPr id="3" name="Рисунок 2">
             <a:extLst>
               <a:ext uri="{FF2B5EF4-FFF2-40B4-BE49-F238E27FC236}">
-                <a16:creationId xmlns:a16="http://schemas.microsoft.com/office/drawing/2014/main" id="{8B4DC81C-229D-0391-40AA-3A164B66192C}"/>
+                <a16:creationId xmlns:a16="http://schemas.microsoft.com/office/drawing/2014/main" id="{44798BE0-141E-D9C6-57B7-80AC20D56772}"/>
               </a:ext>
             </a:extLst>
           </p:cNvPr>
@@ -1650,7 +1752,7 @@
     </p:spTree>
     <p:extLst>
       <p:ext uri="{BB962C8B-B14F-4D97-AF65-F5344CB8AC3E}">
-        <p14:creationId xmlns:p14="http://schemas.microsoft.com/office/powerpoint/2010/main" val="1626476717"/>
+        <p14:creationId xmlns:p14="http://schemas.microsoft.com/office/powerpoint/2010/main" val="938787356"/>
       </p:ext>
     </p:extLst>
   </p:cSld>
@@ -1700,7 +1802,7 @@
           <p:cNvPr id="2" name="Заголовок 1" hidden="1">
             <a:extLst>
               <a:ext uri="{FF2B5EF4-FFF2-40B4-BE49-F238E27FC236}">
-                <a16:creationId xmlns:a16="http://schemas.microsoft.com/office/drawing/2014/main" id="{FA6DBB41-966E-3640-CC29-1CA6CC400CA1}"/>
+                <a16:creationId xmlns:a16="http://schemas.microsoft.com/office/drawing/2014/main" id="{D6A5E4A8-A27D-4FF1-1D7F-80CD007DD787}"/>
               </a:ext>
             </a:extLst>
           </p:cNvPr>
@@ -1729,7 +1831,7 @@
           <p:cNvPr id="3" name="Рисунок 2">
             <a:extLst>
               <a:ext uri="{FF2B5EF4-FFF2-40B4-BE49-F238E27FC236}">
-                <a16:creationId xmlns:a16="http://schemas.microsoft.com/office/drawing/2014/main" id="{5F0E75DC-AB0C-0C8B-46E6-733C0DD24187}"/>
+                <a16:creationId xmlns:a16="http://schemas.microsoft.com/office/drawing/2014/main" id="{4FD4507F-B3F6-8BE8-0D12-D1C1237B2B6E}"/>
               </a:ext>
             </a:extLst>
           </p:cNvPr>
@@ -1755,7 +1857,7 @@
     </p:spTree>
     <p:extLst>
       <p:ext uri="{BB962C8B-B14F-4D97-AF65-F5344CB8AC3E}">
-        <p14:creationId xmlns:p14="http://schemas.microsoft.com/office/powerpoint/2010/main" val="3352793723"/>
+        <p14:creationId xmlns:p14="http://schemas.microsoft.com/office/powerpoint/2010/main" val="386758566"/>
       </p:ext>
     </p:extLst>
   </p:cSld>
@@ -1805,7 +1907,7 @@
           <p:cNvPr id="2" name="Заголовок 1" hidden="1">
             <a:extLst>
               <a:ext uri="{FF2B5EF4-FFF2-40B4-BE49-F238E27FC236}">
-                <a16:creationId xmlns:a16="http://schemas.microsoft.com/office/drawing/2014/main" id="{00C364FF-8AE3-5053-5FE2-E27E684A3E6C}"/>
+                <a16:creationId xmlns:a16="http://schemas.microsoft.com/office/drawing/2014/main" id="{9CBDB42D-2A14-AAB8-427F-B41D2CE4F533}"/>
               </a:ext>
             </a:extLst>
           </p:cNvPr>
@@ -1834,7 +1936,7 @@
           <p:cNvPr id="3" name="Рисунок 2">
             <a:extLst>
               <a:ext uri="{FF2B5EF4-FFF2-40B4-BE49-F238E27FC236}">
-                <a16:creationId xmlns:a16="http://schemas.microsoft.com/office/drawing/2014/main" id="{961071CA-89B7-345D-4615-FC9B26D6CD77}"/>
+                <a16:creationId xmlns:a16="http://schemas.microsoft.com/office/drawing/2014/main" id="{8D8E7E4E-B97C-F02C-5514-703659044D93}"/>
               </a:ext>
             </a:extLst>
           </p:cNvPr>
@@ -1860,7 +1962,7 @@
     </p:spTree>
     <p:extLst>
       <p:ext uri="{BB962C8B-B14F-4D97-AF65-F5344CB8AC3E}">
-        <p14:creationId xmlns:p14="http://schemas.microsoft.com/office/powerpoint/2010/main" val="896456497"/>
+        <p14:creationId xmlns:p14="http://schemas.microsoft.com/office/powerpoint/2010/main" val="310255821"/>
       </p:ext>
     </p:extLst>
   </p:cSld>
